--- a/doc/TPEC2020.pptx
+++ b/doc/TPEC2020.pptx
@@ -274,7 +274,7 @@
           <a:p>
             <a:fld id="{48752834-C14F-4CD7-A25E-022ED22224E0}" type="datetimeFigureOut">
               <a:rPr lang="en-US" smtClean="0"/>
-              <a:t>2/5/2020</a:t>
+              <a:t>10/18/2022</a:t>
             </a:fld>
             <a:endParaRPr lang="en-US"/>
           </a:p>
@@ -442,7 +442,7 @@
           <a:p>
             <a:fld id="{48752834-C14F-4CD7-A25E-022ED22224E0}" type="datetimeFigureOut">
               <a:rPr lang="en-US" smtClean="0"/>
-              <a:t>2/5/2020</a:t>
+              <a:t>10/18/2022</a:t>
             </a:fld>
             <a:endParaRPr lang="en-US"/>
           </a:p>
@@ -620,7 +620,7 @@
           <a:p>
             <a:fld id="{48752834-C14F-4CD7-A25E-022ED22224E0}" type="datetimeFigureOut">
               <a:rPr lang="en-US" smtClean="0"/>
-              <a:t>2/5/2020</a:t>
+              <a:t>10/18/2022</a:t>
             </a:fld>
             <a:endParaRPr lang="en-US"/>
           </a:p>
@@ -848,7 +848,7 @@
           <a:p>
             <a:fld id="{48752834-C14F-4CD7-A25E-022ED22224E0}" type="datetimeFigureOut">
               <a:rPr lang="en-US" smtClean="0"/>
-              <a:t>2/5/2020</a:t>
+              <a:t>10/18/2022</a:t>
             </a:fld>
             <a:endParaRPr lang="en-US"/>
           </a:p>
@@ -1093,7 +1093,7 @@
           <a:p>
             <a:fld id="{48752834-C14F-4CD7-A25E-022ED22224E0}" type="datetimeFigureOut">
               <a:rPr lang="en-US" smtClean="0"/>
-              <a:t>2/5/2020</a:t>
+              <a:t>10/18/2022</a:t>
             </a:fld>
             <a:endParaRPr lang="en-US"/>
           </a:p>
@@ -1322,7 +1322,7 @@
           <a:p>
             <a:fld id="{48752834-C14F-4CD7-A25E-022ED22224E0}" type="datetimeFigureOut">
               <a:rPr lang="en-US" smtClean="0"/>
-              <a:t>2/5/2020</a:t>
+              <a:t>10/18/2022</a:t>
             </a:fld>
             <a:endParaRPr lang="en-US"/>
           </a:p>
@@ -1686,7 +1686,7 @@
           <a:p>
             <a:fld id="{48752834-C14F-4CD7-A25E-022ED22224E0}" type="datetimeFigureOut">
               <a:rPr lang="en-US" smtClean="0"/>
-              <a:t>2/5/2020</a:t>
+              <a:t>10/18/2022</a:t>
             </a:fld>
             <a:endParaRPr lang="en-US"/>
           </a:p>
@@ -1803,7 +1803,7 @@
           <a:p>
             <a:fld id="{48752834-C14F-4CD7-A25E-022ED22224E0}" type="datetimeFigureOut">
               <a:rPr lang="en-US" smtClean="0"/>
-              <a:t>2/5/2020</a:t>
+              <a:t>10/18/2022</a:t>
             </a:fld>
             <a:endParaRPr lang="en-US"/>
           </a:p>
@@ -1898,7 +1898,7 @@
           <a:p>
             <a:fld id="{48752834-C14F-4CD7-A25E-022ED22224E0}" type="datetimeFigureOut">
               <a:rPr lang="en-US" smtClean="0"/>
-              <a:t>2/5/2020</a:t>
+              <a:t>10/18/2022</a:t>
             </a:fld>
             <a:endParaRPr lang="en-US"/>
           </a:p>
@@ -2173,7 +2173,7 @@
           <a:p>
             <a:fld id="{48752834-C14F-4CD7-A25E-022ED22224E0}" type="datetimeFigureOut">
               <a:rPr lang="en-US" smtClean="0"/>
-              <a:t>2/5/2020</a:t>
+              <a:t>10/18/2022</a:t>
             </a:fld>
             <a:endParaRPr lang="en-US"/>
           </a:p>
@@ -2425,7 +2425,7 @@
           <a:p>
             <a:fld id="{48752834-C14F-4CD7-A25E-022ED22224E0}" type="datetimeFigureOut">
               <a:rPr lang="en-US" smtClean="0"/>
-              <a:t>2/5/2020</a:t>
+              <a:t>10/18/2022</a:t>
             </a:fld>
             <a:endParaRPr lang="en-US"/>
           </a:p>
@@ -2636,7 +2636,7 @@
           <a:p>
             <a:fld id="{48752834-C14F-4CD7-A25E-022ED22224E0}" type="datetimeFigureOut">
               <a:rPr lang="en-US" smtClean="0"/>
-              <a:t>2/5/2020</a:t>
+              <a:t>10/18/2022</a:t>
             </a:fld>
             <a:endParaRPr lang="en-US"/>
           </a:p>
@@ -3148,7 +3148,7 @@
           </a:ln>
           <a:extLst>
             <a:ext uri="{C572A759-6A51-4108-AA02-DFA0A04FC94B}">
-              <ma14:wrappingTextBoxFlag xmlns="" xmlns:ma14="http://schemas.microsoft.com/office/mac/drawingml/2011/main" val="1"/>
+              <ma14:wrappingTextBoxFlag xmlns:ma14="http://schemas.microsoft.com/office/mac/drawingml/2011/main" xmlns="" val="1"/>
             </a:ext>
           </a:extLst>
         </p:spPr>
@@ -3247,7 +3247,7 @@
             </a:ln>
             <a:extLst>
               <a:ext uri="{C572A759-6A51-4108-AA02-DFA0A04FC94B}">
-                <ma14:wrappingTextBoxFlag xmlns="" xmlns:ma14="http://schemas.microsoft.com/office/mac/drawingml/2011/main" val="1"/>
+                <ma14:wrappingTextBoxFlag xmlns:ma14="http://schemas.microsoft.com/office/mac/drawingml/2011/main" xmlns="" val="1"/>
               </a:ext>
             </a:extLst>
           </p:spPr>
@@ -3306,7 +3306,7 @@
             </a:ln>
             <a:extLst>
               <a:ext uri="{C572A759-6A51-4108-AA02-DFA0A04FC94B}">
-                <ma14:wrappingTextBoxFlag xmlns="" xmlns:ma14="http://schemas.microsoft.com/office/mac/drawingml/2011/main" val="1"/>
+                <ma14:wrappingTextBoxFlag xmlns:ma14="http://schemas.microsoft.com/office/mac/drawingml/2011/main" xmlns="" val="1"/>
               </a:ext>
             </a:extLst>
           </p:spPr>
@@ -3513,7 +3513,7 @@
           </a:ln>
           <a:extLst>
             <a:ext uri="{C572A759-6A51-4108-AA02-DFA0A04FC94B}">
-              <ma14:wrappingTextBoxFlag xmlns="" xmlns:ma14="http://schemas.microsoft.com/office/mac/drawingml/2011/main" val="1"/>
+              <ma14:wrappingTextBoxFlag xmlns:ma14="http://schemas.microsoft.com/office/mac/drawingml/2011/main" xmlns="" val="1"/>
             </a:ext>
           </a:extLst>
         </p:spPr>
@@ -3801,7 +3801,7 @@
           </a:ln>
           <a:extLst>
             <a:ext uri="{C572A759-6A51-4108-AA02-DFA0A04FC94B}">
-              <ma14:wrappingTextBoxFlag xmlns="" xmlns:ma14="http://schemas.microsoft.com/office/mac/drawingml/2011/main" val="1"/>
+              <ma14:wrappingTextBoxFlag xmlns:ma14="http://schemas.microsoft.com/office/mac/drawingml/2011/main" xmlns="" val="1"/>
             </a:ext>
           </a:extLst>
         </p:spPr>
@@ -4140,7 +4140,7 @@
           </a:ln>
           <a:extLst>
             <a:ext uri="{C572A759-6A51-4108-AA02-DFA0A04FC94B}">
-              <ma14:wrappingTextBoxFlag xmlns="" xmlns:ma14="http://schemas.microsoft.com/office/mac/drawingml/2011/main" val="1"/>
+              <ma14:wrappingTextBoxFlag xmlns:ma14="http://schemas.microsoft.com/office/mac/drawingml/2011/main" xmlns="" val="1"/>
             </a:ext>
           </a:extLst>
         </p:spPr>
@@ -4792,7 +4792,7 @@
           </a:ln>
           <a:extLst>
             <a:ext uri="{C572A759-6A51-4108-AA02-DFA0A04FC94B}">
-              <ma14:wrappingTextBoxFlag xmlns="" xmlns:ma14="http://schemas.microsoft.com/office/mac/drawingml/2011/main" val="1"/>
+              <ma14:wrappingTextBoxFlag xmlns:ma14="http://schemas.microsoft.com/office/mac/drawingml/2011/main" xmlns="" val="1"/>
             </a:ext>
           </a:extLst>
         </p:spPr>
@@ -5547,6 +5547,1992 @@
           </a:graphicData>
         </a:graphic>
       </p:graphicFrame>
+      <p:grpSp>
+        <p:nvGrpSpPr>
+          <p:cNvPr id="2" name="Group 1"/>
+          <p:cNvGrpSpPr/>
+          <p:nvPr/>
+        </p:nvGrpSpPr>
+        <p:grpSpPr>
+          <a:xfrm>
+            <a:off x="-261421" y="4595736"/>
+            <a:ext cx="12453421" cy="2000765"/>
+            <a:chOff x="9392911" y="13187754"/>
+            <a:chExt cx="12453421" cy="2000765"/>
+          </a:xfrm>
+        </p:grpSpPr>
+        <p:sp>
+          <p:nvSpPr>
+            <p:cNvPr id="8" name="Oval 7">
+              <a:extLst>
+                <a:ext uri="{FF2B5EF4-FFF2-40B4-BE49-F238E27FC236}">
+                  <a16:creationId xmlns:a16="http://schemas.microsoft.com/office/drawing/2014/main" id="{8A754FD7-8D24-4B46-91C7-3EB7E1500BF2}"/>
+                </a:ext>
+              </a:extLst>
+            </p:cNvPr>
+            <p:cNvSpPr/>
+            <p:nvPr/>
+          </p:nvSpPr>
+          <p:spPr>
+            <a:xfrm>
+              <a:off x="10577773" y="13670391"/>
+              <a:ext cx="1746997" cy="454210"/>
+            </a:xfrm>
+            <a:prstGeom prst="ellipse">
+              <a:avLst/>
+            </a:prstGeom>
+            <a:solidFill>
+              <a:schemeClr val="accent4">
+                <a:lumMod val="40000"/>
+                <a:lumOff val="60000"/>
+              </a:schemeClr>
+            </a:solidFill>
+            <a:ln w="19050">
+              <a:solidFill>
+                <a:schemeClr val="accent2">
+                  <a:lumMod val="50000"/>
+                </a:schemeClr>
+              </a:solidFill>
+            </a:ln>
+          </p:spPr>
+          <p:style>
+            <a:lnRef idx="2">
+              <a:schemeClr val="accent1">
+                <a:shade val="50000"/>
+              </a:schemeClr>
+            </a:lnRef>
+            <a:fillRef idx="1">
+              <a:schemeClr val="accent1"/>
+            </a:fillRef>
+            <a:effectRef idx="0">
+              <a:schemeClr val="accent1"/>
+            </a:effectRef>
+            <a:fontRef idx="minor">
+              <a:schemeClr val="lt1"/>
+            </a:fontRef>
+          </p:style>
+          <p:txBody>
+            <a:bodyPr rtlCol="0" anchor="ctr"/>
+            <a:lstStyle/>
+            <a:p>
+              <a:pPr algn="ctr"/>
+              <a:r>
+                <a:rPr lang="en-US" sz="1200" dirty="0">
+                  <a:solidFill>
+                    <a:schemeClr val="accent2">
+                      <a:lumMod val="50000"/>
+                    </a:schemeClr>
+                  </a:solidFill>
+                  <a:cs typeface="Times New Roman" panose="02020603050405020304" pitchFamily="18" charset="0"/>
+                </a:rPr>
+                <a:t>Vulnerability 1</a:t>
+              </a:r>
+            </a:p>
+          </p:txBody>
+        </p:sp>
+        <p:sp>
+          <p:nvSpPr>
+            <p:cNvPr id="9" name="Oval 8">
+              <a:extLst>
+                <a:ext uri="{FF2B5EF4-FFF2-40B4-BE49-F238E27FC236}">
+                  <a16:creationId xmlns:a16="http://schemas.microsoft.com/office/drawing/2014/main" id="{178EC108-4483-46D9-A6FC-99D19BDD5E2C}"/>
+                </a:ext>
+              </a:extLst>
+            </p:cNvPr>
+            <p:cNvSpPr/>
+            <p:nvPr/>
+          </p:nvSpPr>
+          <p:spPr>
+            <a:xfrm>
+              <a:off x="10577773" y="14288522"/>
+              <a:ext cx="1746997" cy="454210"/>
+            </a:xfrm>
+            <a:prstGeom prst="ellipse">
+              <a:avLst/>
+            </a:prstGeom>
+            <a:noFill/>
+            <a:ln w="19050">
+              <a:solidFill>
+                <a:schemeClr val="accent2">
+                  <a:lumMod val="50000"/>
+                </a:schemeClr>
+              </a:solidFill>
+            </a:ln>
+          </p:spPr>
+          <p:style>
+            <a:lnRef idx="2">
+              <a:schemeClr val="accent1">
+                <a:shade val="50000"/>
+              </a:schemeClr>
+            </a:lnRef>
+            <a:fillRef idx="1">
+              <a:schemeClr val="accent1"/>
+            </a:fillRef>
+            <a:effectRef idx="0">
+              <a:schemeClr val="accent1"/>
+            </a:effectRef>
+            <a:fontRef idx="minor">
+              <a:schemeClr val="lt1"/>
+            </a:fontRef>
+          </p:style>
+          <p:txBody>
+            <a:bodyPr rtlCol="0" anchor="ctr"/>
+            <a:lstStyle/>
+            <a:p>
+              <a:pPr algn="ctr"/>
+              <a:r>
+                <a:rPr lang="en-US" sz="1200" dirty="0">
+                  <a:solidFill>
+                    <a:schemeClr val="accent2">
+                      <a:lumMod val="50000"/>
+                    </a:schemeClr>
+                  </a:solidFill>
+                  <a:cs typeface="Times New Roman" panose="02020603050405020304" pitchFamily="18" charset="0"/>
+                </a:rPr>
+                <a:t>Vulnerability 2</a:t>
+              </a:r>
+            </a:p>
+          </p:txBody>
+        </p:sp>
+        <p:sp>
+          <p:nvSpPr>
+            <p:cNvPr id="10" name="Oval 9">
+              <a:extLst>
+                <a:ext uri="{FF2B5EF4-FFF2-40B4-BE49-F238E27FC236}">
+                  <a16:creationId xmlns:a16="http://schemas.microsoft.com/office/drawing/2014/main" id="{CE33966B-14B5-443C-868B-2EB3426F6FD5}"/>
+                </a:ext>
+              </a:extLst>
+            </p:cNvPr>
+            <p:cNvSpPr/>
+            <p:nvPr/>
+          </p:nvSpPr>
+          <p:spPr>
+            <a:xfrm>
+              <a:off x="14618264" y="13991127"/>
+              <a:ext cx="1746997" cy="454210"/>
+            </a:xfrm>
+            <a:prstGeom prst="ellipse">
+              <a:avLst/>
+            </a:prstGeom>
+            <a:solidFill>
+              <a:schemeClr val="accent4">
+                <a:lumMod val="40000"/>
+                <a:lumOff val="60000"/>
+              </a:schemeClr>
+            </a:solidFill>
+            <a:ln w="19050">
+              <a:solidFill>
+                <a:schemeClr val="accent2">
+                  <a:lumMod val="50000"/>
+                </a:schemeClr>
+              </a:solidFill>
+            </a:ln>
+          </p:spPr>
+          <p:style>
+            <a:lnRef idx="2">
+              <a:schemeClr val="accent1">
+                <a:shade val="50000"/>
+              </a:schemeClr>
+            </a:lnRef>
+            <a:fillRef idx="1">
+              <a:schemeClr val="accent1"/>
+            </a:fillRef>
+            <a:effectRef idx="0">
+              <a:schemeClr val="accent1"/>
+            </a:effectRef>
+            <a:fontRef idx="minor">
+              <a:schemeClr val="lt1"/>
+            </a:fontRef>
+          </p:style>
+          <p:txBody>
+            <a:bodyPr rtlCol="0" anchor="ctr"/>
+            <a:lstStyle/>
+            <a:p>
+              <a:pPr algn="ctr"/>
+              <a:r>
+                <a:rPr lang="en-US" sz="1200" dirty="0">
+                  <a:solidFill>
+                    <a:schemeClr val="accent2">
+                      <a:lumMod val="50000"/>
+                    </a:schemeClr>
+                  </a:solidFill>
+                  <a:cs typeface="Times New Roman" panose="02020603050405020304" pitchFamily="18" charset="0"/>
+                </a:rPr>
+                <a:t>Vulnerability 3</a:t>
+              </a:r>
+            </a:p>
+          </p:txBody>
+        </p:sp>
+        <p:sp>
+          <p:nvSpPr>
+            <p:cNvPr id="11" name="TextBox 10">
+              <a:extLst>
+                <a:ext uri="{FF2B5EF4-FFF2-40B4-BE49-F238E27FC236}">
+                  <a16:creationId xmlns:a16="http://schemas.microsoft.com/office/drawing/2014/main" id="{971ED19B-06A5-402E-BA7E-0F4EAF3A04EC}"/>
+                </a:ext>
+              </a:extLst>
+            </p:cNvPr>
+            <p:cNvSpPr txBox="1"/>
+            <p:nvPr/>
+          </p:nvSpPr>
+          <p:spPr>
+            <a:xfrm>
+              <a:off x="9392911" y="13903883"/>
+              <a:ext cx="683115" cy="646331"/>
+            </a:xfrm>
+            <a:prstGeom prst="rect">
+              <a:avLst/>
+            </a:prstGeom>
+            <a:noFill/>
+          </p:spPr>
+          <p:txBody>
+            <a:bodyPr wrap="square" rtlCol="0">
+              <a:spAutoFit/>
+            </a:bodyPr>
+            <a:lstStyle/>
+            <a:p>
+              <a:pPr algn="ctr"/>
+              <a:r>
+                <a:rPr lang="en-US" sz="1800" dirty="0" smtClean="0">
+                  <a:solidFill>
+                    <a:srgbClr val="7030A0"/>
+                  </a:solidFill>
+                  <a:latin typeface="+mn-lt"/>
+                  <a:cs typeface="Times New Roman" panose="02020603050405020304" pitchFamily="18" charset="0"/>
+                </a:rPr>
+                <a:t>user(0</a:t>
+              </a:r>
+              <a:r>
+                <a:rPr lang="en-US" sz="1800" dirty="0">
+                  <a:solidFill>
+                    <a:srgbClr val="7030A0"/>
+                  </a:solidFill>
+                  <a:latin typeface="+mn-lt"/>
+                  <a:cs typeface="Times New Roman" panose="02020603050405020304" pitchFamily="18" charset="0"/>
+                </a:rPr>
+                <a:t>)</a:t>
+              </a:r>
+            </a:p>
+          </p:txBody>
+        </p:sp>
+        <p:cxnSp>
+          <p:nvCxnSpPr>
+            <p:cNvPr id="12" name="Straight Arrow Connector 11">
+              <a:extLst>
+                <a:ext uri="{FF2B5EF4-FFF2-40B4-BE49-F238E27FC236}">
+                  <a16:creationId xmlns:a16="http://schemas.microsoft.com/office/drawing/2014/main" id="{B3690859-2895-4793-9284-767494F75916}"/>
+                </a:ext>
+              </a:extLst>
+            </p:cNvPr>
+            <p:cNvCxnSpPr>
+              <a:cxnSpLocks/>
+              <a:stCxn id="11" idx="3"/>
+              <a:endCxn id="8" idx="2"/>
+            </p:cNvCxnSpPr>
+            <p:nvPr/>
+          </p:nvCxnSpPr>
+          <p:spPr>
+            <a:xfrm flipV="1">
+              <a:off x="10076026" y="13897496"/>
+              <a:ext cx="501747" cy="329553"/>
+            </a:xfrm>
+            <a:prstGeom prst="straightConnector1">
+              <a:avLst/>
+            </a:prstGeom>
+            <a:ln>
+              <a:solidFill>
+                <a:srgbClr val="7030A0"/>
+              </a:solidFill>
+              <a:tailEnd type="triangle"/>
+            </a:ln>
+          </p:spPr>
+          <p:style>
+            <a:lnRef idx="1">
+              <a:schemeClr val="accent1"/>
+            </a:lnRef>
+            <a:fillRef idx="0">
+              <a:schemeClr val="accent1"/>
+            </a:fillRef>
+            <a:effectRef idx="0">
+              <a:schemeClr val="accent1"/>
+            </a:effectRef>
+            <a:fontRef idx="minor">
+              <a:schemeClr val="tx1"/>
+            </a:fontRef>
+          </p:style>
+        </p:cxnSp>
+        <p:cxnSp>
+          <p:nvCxnSpPr>
+            <p:cNvPr id="13" name="Straight Arrow Connector 12">
+              <a:extLst>
+                <a:ext uri="{FF2B5EF4-FFF2-40B4-BE49-F238E27FC236}">
+                  <a16:creationId xmlns:a16="http://schemas.microsoft.com/office/drawing/2014/main" id="{4241843B-E17D-4295-B260-FC3F371D55BF}"/>
+                </a:ext>
+              </a:extLst>
+            </p:cNvPr>
+            <p:cNvCxnSpPr>
+              <a:cxnSpLocks/>
+              <a:stCxn id="11" idx="3"/>
+              <a:endCxn id="9" idx="2"/>
+            </p:cNvCxnSpPr>
+            <p:nvPr/>
+          </p:nvCxnSpPr>
+          <p:spPr>
+            <a:xfrm>
+              <a:off x="10076026" y="14227049"/>
+              <a:ext cx="501747" cy="288578"/>
+            </a:xfrm>
+            <a:prstGeom prst="straightConnector1">
+              <a:avLst/>
+            </a:prstGeom>
+            <a:ln>
+              <a:solidFill>
+                <a:srgbClr val="7030A0"/>
+              </a:solidFill>
+              <a:tailEnd type="triangle"/>
+            </a:ln>
+          </p:spPr>
+          <p:style>
+            <a:lnRef idx="1">
+              <a:schemeClr val="accent1"/>
+            </a:lnRef>
+            <a:fillRef idx="0">
+              <a:schemeClr val="accent1"/>
+            </a:fillRef>
+            <a:effectRef idx="0">
+              <a:schemeClr val="accent1"/>
+            </a:effectRef>
+            <a:fontRef idx="minor">
+              <a:schemeClr val="tx1"/>
+            </a:fontRef>
+          </p:style>
+        </p:cxnSp>
+        <p:sp>
+          <p:nvSpPr>
+            <p:cNvPr id="14" name="TextBox 13">
+              <a:extLst>
+                <a:ext uri="{FF2B5EF4-FFF2-40B4-BE49-F238E27FC236}">
+                  <a16:creationId xmlns:a16="http://schemas.microsoft.com/office/drawing/2014/main" id="{1EBAEFC2-694F-4C1A-BB68-AFDC656C2942}"/>
+                </a:ext>
+              </a:extLst>
+            </p:cNvPr>
+            <p:cNvSpPr txBox="1"/>
+            <p:nvPr/>
+          </p:nvSpPr>
+          <p:spPr>
+            <a:xfrm>
+              <a:off x="13691291" y="13893097"/>
+              <a:ext cx="651060" cy="646331"/>
+            </a:xfrm>
+            <a:prstGeom prst="rect">
+              <a:avLst/>
+            </a:prstGeom>
+            <a:noFill/>
+          </p:spPr>
+          <p:txBody>
+            <a:bodyPr wrap="square" rtlCol="0">
+              <a:spAutoFit/>
+            </a:bodyPr>
+            <a:lstStyle/>
+            <a:p>
+              <a:pPr algn="ctr"/>
+              <a:r>
+                <a:rPr lang="en-US" sz="1800" dirty="0" smtClean="0">
+                  <a:solidFill>
+                    <a:srgbClr val="7030A0"/>
+                  </a:solidFill>
+                  <a:latin typeface="+mn-lt"/>
+                  <a:cs typeface="Times New Roman" panose="02020603050405020304" pitchFamily="18" charset="0"/>
+                </a:rPr>
+                <a:t>user (1</a:t>
+              </a:r>
+              <a:r>
+                <a:rPr lang="en-US" sz="1800" dirty="0">
+                  <a:solidFill>
+                    <a:srgbClr val="7030A0"/>
+                  </a:solidFill>
+                  <a:latin typeface="+mn-lt"/>
+                  <a:cs typeface="Times New Roman" panose="02020603050405020304" pitchFamily="18" charset="0"/>
+                </a:rPr>
+                <a:t>)</a:t>
+              </a:r>
+            </a:p>
+          </p:txBody>
+        </p:sp>
+        <p:cxnSp>
+          <p:nvCxnSpPr>
+            <p:cNvPr id="15" name="Straight Arrow Connector 14">
+              <a:extLst>
+                <a:ext uri="{FF2B5EF4-FFF2-40B4-BE49-F238E27FC236}">
+                  <a16:creationId xmlns:a16="http://schemas.microsoft.com/office/drawing/2014/main" id="{27B186AB-4D2E-4EE9-BF5D-64F5C7CF6484}"/>
+                </a:ext>
+              </a:extLst>
+            </p:cNvPr>
+            <p:cNvCxnSpPr>
+              <a:cxnSpLocks/>
+              <a:stCxn id="8" idx="6"/>
+              <a:endCxn id="14" idx="1"/>
+            </p:cNvCxnSpPr>
+            <p:nvPr/>
+          </p:nvCxnSpPr>
+          <p:spPr>
+            <a:xfrm>
+              <a:off x="12324770" y="13897496"/>
+              <a:ext cx="1366521" cy="318767"/>
+            </a:xfrm>
+            <a:prstGeom prst="straightConnector1">
+              <a:avLst/>
+            </a:prstGeom>
+            <a:ln w="12700">
+              <a:solidFill>
+                <a:schemeClr val="tx1"/>
+              </a:solidFill>
+              <a:tailEnd type="triangle"/>
+            </a:ln>
+          </p:spPr>
+          <p:style>
+            <a:lnRef idx="1">
+              <a:schemeClr val="accent1"/>
+            </a:lnRef>
+            <a:fillRef idx="0">
+              <a:schemeClr val="accent1"/>
+            </a:fillRef>
+            <a:effectRef idx="0">
+              <a:schemeClr val="accent1"/>
+            </a:effectRef>
+            <a:fontRef idx="minor">
+              <a:schemeClr val="tx1"/>
+            </a:fontRef>
+          </p:style>
+        </p:cxnSp>
+        <p:cxnSp>
+          <p:nvCxnSpPr>
+            <p:cNvPr id="16" name="Straight Arrow Connector 15">
+              <a:extLst>
+                <a:ext uri="{FF2B5EF4-FFF2-40B4-BE49-F238E27FC236}">
+                  <a16:creationId xmlns:a16="http://schemas.microsoft.com/office/drawing/2014/main" id="{EA3FA4DD-28EC-478A-82FA-C39477A259F2}"/>
+                </a:ext>
+              </a:extLst>
+            </p:cNvPr>
+            <p:cNvCxnSpPr>
+              <a:cxnSpLocks/>
+              <a:stCxn id="9" idx="6"/>
+              <a:endCxn id="14" idx="1"/>
+            </p:cNvCxnSpPr>
+            <p:nvPr/>
+          </p:nvCxnSpPr>
+          <p:spPr>
+            <a:xfrm flipV="1">
+              <a:off x="12324770" y="14216263"/>
+              <a:ext cx="1366521" cy="299364"/>
+            </a:xfrm>
+            <a:prstGeom prst="straightConnector1">
+              <a:avLst/>
+            </a:prstGeom>
+            <a:ln w="12700">
+              <a:solidFill>
+                <a:schemeClr val="tx1"/>
+              </a:solidFill>
+              <a:tailEnd type="triangle"/>
+            </a:ln>
+          </p:spPr>
+          <p:style>
+            <a:lnRef idx="1">
+              <a:schemeClr val="accent1"/>
+            </a:lnRef>
+            <a:fillRef idx="0">
+              <a:schemeClr val="accent1"/>
+            </a:fillRef>
+            <a:effectRef idx="0">
+              <a:schemeClr val="accent1"/>
+            </a:effectRef>
+            <a:fontRef idx="minor">
+              <a:schemeClr val="tx1"/>
+            </a:fontRef>
+          </p:style>
+        </p:cxnSp>
+        <p:cxnSp>
+          <p:nvCxnSpPr>
+            <p:cNvPr id="18" name="Straight Arrow Connector 17">
+              <a:extLst>
+                <a:ext uri="{FF2B5EF4-FFF2-40B4-BE49-F238E27FC236}">
+                  <a16:creationId xmlns:a16="http://schemas.microsoft.com/office/drawing/2014/main" id="{86399715-551E-44B1-8813-096C8EB9B130}"/>
+                </a:ext>
+              </a:extLst>
+            </p:cNvPr>
+            <p:cNvCxnSpPr>
+              <a:cxnSpLocks/>
+              <a:stCxn id="14" idx="3"/>
+              <a:endCxn id="10" idx="2"/>
+            </p:cNvCxnSpPr>
+            <p:nvPr/>
+          </p:nvCxnSpPr>
+          <p:spPr>
+            <a:xfrm>
+              <a:off x="14342351" y="14216263"/>
+              <a:ext cx="275913" cy="1969"/>
+            </a:xfrm>
+            <a:prstGeom prst="straightConnector1">
+              <a:avLst/>
+            </a:prstGeom>
+            <a:ln>
+              <a:solidFill>
+                <a:srgbClr val="7030A0"/>
+              </a:solidFill>
+              <a:tailEnd type="triangle"/>
+            </a:ln>
+          </p:spPr>
+          <p:style>
+            <a:lnRef idx="1">
+              <a:schemeClr val="accent1"/>
+            </a:lnRef>
+            <a:fillRef idx="0">
+              <a:schemeClr val="accent1"/>
+            </a:fillRef>
+            <a:effectRef idx="0">
+              <a:schemeClr val="accent1"/>
+            </a:effectRef>
+            <a:fontRef idx="minor">
+              <a:schemeClr val="tx1"/>
+            </a:fontRef>
+          </p:style>
+        </p:cxnSp>
+        <p:sp>
+          <p:nvSpPr>
+            <p:cNvPr id="19" name="Oval 18">
+              <a:extLst>
+                <a:ext uri="{FF2B5EF4-FFF2-40B4-BE49-F238E27FC236}">
+                  <a16:creationId xmlns:a16="http://schemas.microsoft.com/office/drawing/2014/main" id="{B1B57576-EE75-4950-B4BF-3CE4E26DF277}"/>
+                </a:ext>
+              </a:extLst>
+            </p:cNvPr>
+            <p:cNvSpPr/>
+            <p:nvPr/>
+          </p:nvSpPr>
+          <p:spPr>
+            <a:xfrm>
+              <a:off x="18426733" y="13994855"/>
+              <a:ext cx="1841786" cy="454210"/>
+            </a:xfrm>
+            <a:prstGeom prst="ellipse">
+              <a:avLst/>
+            </a:prstGeom>
+            <a:noFill/>
+            <a:ln w="19050">
+              <a:solidFill>
+                <a:schemeClr val="accent2">
+                  <a:lumMod val="50000"/>
+                </a:schemeClr>
+              </a:solidFill>
+            </a:ln>
+          </p:spPr>
+          <p:style>
+            <a:lnRef idx="2">
+              <a:schemeClr val="accent1">
+                <a:shade val="50000"/>
+              </a:schemeClr>
+            </a:lnRef>
+            <a:fillRef idx="1">
+              <a:schemeClr val="accent1"/>
+            </a:fillRef>
+            <a:effectRef idx="0">
+              <a:schemeClr val="accent1"/>
+            </a:effectRef>
+            <a:fontRef idx="minor">
+              <a:schemeClr val="lt1"/>
+            </a:fontRef>
+          </p:style>
+          <p:txBody>
+            <a:bodyPr rtlCol="0" anchor="ctr"/>
+            <a:lstStyle/>
+            <a:p>
+              <a:pPr algn="ctr"/>
+              <a:r>
+                <a:rPr lang="en-US" sz="1200" dirty="0">
+                  <a:solidFill>
+                    <a:schemeClr val="accent2">
+                      <a:lumMod val="50000"/>
+                    </a:schemeClr>
+                  </a:solidFill>
+                  <a:cs typeface="Times New Roman" panose="02020603050405020304" pitchFamily="18" charset="0"/>
+                </a:rPr>
+                <a:t>Vulnerability 4</a:t>
+              </a:r>
+            </a:p>
+          </p:txBody>
+        </p:sp>
+        <p:sp>
+          <p:nvSpPr>
+            <p:cNvPr id="20" name="TextBox 19">
+              <a:extLst>
+                <a:ext uri="{FF2B5EF4-FFF2-40B4-BE49-F238E27FC236}">
+                  <a16:creationId xmlns:a16="http://schemas.microsoft.com/office/drawing/2014/main" id="{9B537B29-B7BD-4249-A135-EFC0A0A0F078}"/>
+                </a:ext>
+              </a:extLst>
+            </p:cNvPr>
+            <p:cNvSpPr txBox="1"/>
+            <p:nvPr/>
+          </p:nvSpPr>
+          <p:spPr>
+            <a:xfrm>
+              <a:off x="17508320" y="13897496"/>
+              <a:ext cx="630984" cy="646331"/>
+            </a:xfrm>
+            <a:prstGeom prst="rect">
+              <a:avLst/>
+            </a:prstGeom>
+            <a:noFill/>
+          </p:spPr>
+          <p:txBody>
+            <a:bodyPr wrap="square" rtlCol="0">
+              <a:spAutoFit/>
+            </a:bodyPr>
+            <a:lstStyle/>
+            <a:p>
+              <a:pPr algn="ctr"/>
+              <a:r>
+                <a:rPr lang="en-US" sz="1800" dirty="0" smtClean="0">
+                  <a:solidFill>
+                    <a:srgbClr val="7030A0"/>
+                  </a:solidFill>
+                  <a:latin typeface="+mn-lt"/>
+                  <a:cs typeface="Times New Roman" panose="02020603050405020304" pitchFamily="18" charset="0"/>
+                </a:rPr>
+                <a:t>user(2</a:t>
+              </a:r>
+              <a:r>
+                <a:rPr lang="en-US" sz="1800" dirty="0">
+                  <a:solidFill>
+                    <a:srgbClr val="7030A0"/>
+                  </a:solidFill>
+                  <a:latin typeface="+mn-lt"/>
+                  <a:cs typeface="Times New Roman" panose="02020603050405020304" pitchFamily="18" charset="0"/>
+                </a:rPr>
+                <a:t>)</a:t>
+              </a:r>
+            </a:p>
+          </p:txBody>
+        </p:sp>
+        <p:cxnSp>
+          <p:nvCxnSpPr>
+            <p:cNvPr id="21" name="Straight Arrow Connector 20">
+              <a:extLst>
+                <a:ext uri="{FF2B5EF4-FFF2-40B4-BE49-F238E27FC236}">
+                  <a16:creationId xmlns:a16="http://schemas.microsoft.com/office/drawing/2014/main" id="{810DDDB6-11B4-4965-982B-F12904B8ABBF}"/>
+                </a:ext>
+              </a:extLst>
+            </p:cNvPr>
+            <p:cNvCxnSpPr>
+              <a:cxnSpLocks/>
+              <a:stCxn id="10" idx="6"/>
+              <a:endCxn id="20" idx="1"/>
+            </p:cNvCxnSpPr>
+            <p:nvPr/>
+          </p:nvCxnSpPr>
+          <p:spPr>
+            <a:xfrm>
+              <a:off x="16365261" y="14218232"/>
+              <a:ext cx="1143059" cy="2430"/>
+            </a:xfrm>
+            <a:prstGeom prst="straightConnector1">
+              <a:avLst/>
+            </a:prstGeom>
+            <a:ln w="19050">
+              <a:solidFill>
+                <a:schemeClr val="tx1"/>
+              </a:solidFill>
+              <a:tailEnd type="triangle"/>
+            </a:ln>
+          </p:spPr>
+          <p:style>
+            <a:lnRef idx="1">
+              <a:schemeClr val="accent1"/>
+            </a:lnRef>
+            <a:fillRef idx="0">
+              <a:schemeClr val="accent1"/>
+            </a:fillRef>
+            <a:effectRef idx="0">
+              <a:schemeClr val="accent1"/>
+            </a:effectRef>
+            <a:fontRef idx="minor">
+              <a:schemeClr val="tx1"/>
+            </a:fontRef>
+          </p:style>
+        </p:cxnSp>
+        <p:cxnSp>
+          <p:nvCxnSpPr>
+            <p:cNvPr id="22" name="Straight Arrow Connector 21">
+              <a:extLst>
+                <a:ext uri="{FF2B5EF4-FFF2-40B4-BE49-F238E27FC236}">
+                  <a16:creationId xmlns:a16="http://schemas.microsoft.com/office/drawing/2014/main" id="{FED61E54-9F27-4B1A-A54A-A39F8E68A4FF}"/>
+                </a:ext>
+              </a:extLst>
+            </p:cNvPr>
+            <p:cNvCxnSpPr>
+              <a:cxnSpLocks/>
+              <a:stCxn id="20" idx="3"/>
+              <a:endCxn id="19" idx="2"/>
+            </p:cNvCxnSpPr>
+            <p:nvPr/>
+          </p:nvCxnSpPr>
+          <p:spPr>
+            <a:xfrm>
+              <a:off x="18139304" y="14220662"/>
+              <a:ext cx="287429" cy="1298"/>
+            </a:xfrm>
+            <a:prstGeom prst="straightConnector1">
+              <a:avLst/>
+            </a:prstGeom>
+            <a:ln>
+              <a:solidFill>
+                <a:srgbClr val="7030A0"/>
+              </a:solidFill>
+              <a:tailEnd type="triangle"/>
+            </a:ln>
+          </p:spPr>
+          <p:style>
+            <a:lnRef idx="1">
+              <a:schemeClr val="accent1"/>
+            </a:lnRef>
+            <a:fillRef idx="0">
+              <a:schemeClr val="accent1"/>
+            </a:fillRef>
+            <a:effectRef idx="0">
+              <a:schemeClr val="accent1"/>
+            </a:effectRef>
+            <a:fontRef idx="minor">
+              <a:schemeClr val="tx1"/>
+            </a:fontRef>
+          </p:style>
+        </p:cxnSp>
+        <p:sp>
+          <p:nvSpPr>
+            <p:cNvPr id="23" name="TextBox 22">
+              <a:extLst>
+                <a:ext uri="{FF2B5EF4-FFF2-40B4-BE49-F238E27FC236}">
+                  <a16:creationId xmlns:a16="http://schemas.microsoft.com/office/drawing/2014/main" id="{7B32B16B-CE83-4BFD-AAF5-4D6EC59023DC}"/>
+                </a:ext>
+              </a:extLst>
+            </p:cNvPr>
+            <p:cNvSpPr txBox="1"/>
+            <p:nvPr/>
+          </p:nvSpPr>
+          <p:spPr>
+            <a:xfrm>
+              <a:off x="21219203" y="13900843"/>
+              <a:ext cx="627129" cy="646331"/>
+            </a:xfrm>
+            <a:prstGeom prst="rect">
+              <a:avLst/>
+            </a:prstGeom>
+            <a:noFill/>
+          </p:spPr>
+          <p:txBody>
+            <a:bodyPr wrap="square" rtlCol="0">
+              <a:spAutoFit/>
+            </a:bodyPr>
+            <a:lstStyle/>
+            <a:p>
+              <a:pPr algn="ctr"/>
+              <a:r>
+                <a:rPr lang="en-US" sz="1800" dirty="0" smtClean="0">
+                  <a:solidFill>
+                    <a:srgbClr val="7030A0"/>
+                  </a:solidFill>
+                  <a:latin typeface="+mn-lt"/>
+                  <a:cs typeface="Times New Roman" panose="02020603050405020304" pitchFamily="18" charset="0"/>
+                </a:rPr>
+                <a:t>root(2)</a:t>
+              </a:r>
+              <a:endParaRPr lang="en-US" sz="1800" dirty="0">
+                <a:solidFill>
+                  <a:srgbClr val="7030A0"/>
+                </a:solidFill>
+                <a:latin typeface="+mn-lt"/>
+                <a:cs typeface="Times New Roman" panose="02020603050405020304" pitchFamily="18" charset="0"/>
+              </a:endParaRPr>
+            </a:p>
+          </p:txBody>
+        </p:sp>
+        <p:cxnSp>
+          <p:nvCxnSpPr>
+            <p:cNvPr id="25" name="Straight Arrow Connector 24">
+              <a:extLst>
+                <a:ext uri="{FF2B5EF4-FFF2-40B4-BE49-F238E27FC236}">
+                  <a16:creationId xmlns:a16="http://schemas.microsoft.com/office/drawing/2014/main" id="{14C3F5B1-8EAC-4575-B5DD-36A39E14B980}"/>
+                </a:ext>
+              </a:extLst>
+            </p:cNvPr>
+            <p:cNvCxnSpPr>
+              <a:cxnSpLocks/>
+              <a:stCxn id="19" idx="6"/>
+              <a:endCxn id="23" idx="1"/>
+            </p:cNvCxnSpPr>
+            <p:nvPr/>
+          </p:nvCxnSpPr>
+          <p:spPr>
+            <a:xfrm>
+              <a:off x="20268519" y="14221960"/>
+              <a:ext cx="950684" cy="2049"/>
+            </a:xfrm>
+            <a:prstGeom prst="straightConnector1">
+              <a:avLst/>
+            </a:prstGeom>
+            <a:ln w="19050">
+              <a:solidFill>
+                <a:schemeClr val="tx1"/>
+              </a:solidFill>
+              <a:tailEnd type="triangle"/>
+            </a:ln>
+          </p:spPr>
+          <p:style>
+            <a:lnRef idx="1">
+              <a:schemeClr val="accent1"/>
+            </a:lnRef>
+            <a:fillRef idx="0">
+              <a:schemeClr val="accent1"/>
+            </a:fillRef>
+            <a:effectRef idx="0">
+              <a:schemeClr val="accent1"/>
+            </a:effectRef>
+            <a:fontRef idx="minor">
+              <a:schemeClr val="tx1"/>
+            </a:fontRef>
+          </p:style>
+        </p:cxnSp>
+        <mc:AlternateContent xmlns:mc="http://schemas.openxmlformats.org/markup-compatibility/2006">
+          <mc:Choice xmlns:a14="http://schemas.microsoft.com/office/drawing/2010/main" Requires="a14">
+            <p:sp>
+              <p:nvSpPr>
+                <p:cNvPr id="26" name="TextBox 25"/>
+                <p:cNvSpPr txBox="1"/>
+                <p:nvPr/>
+              </p:nvSpPr>
+              <p:spPr>
+                <a:xfrm>
+                  <a:off x="12453014" y="13560539"/>
+                  <a:ext cx="1262333" cy="369332"/>
+                </a:xfrm>
+                <a:prstGeom prst="rect">
+                  <a:avLst/>
+                </a:prstGeom>
+                <a:noFill/>
+              </p:spPr>
+              <p:txBody>
+                <a:bodyPr wrap="none" rtlCol="0">
+                  <a:spAutoFit/>
+                </a:bodyPr>
+                <a:lstStyle/>
+                <a:p>
+                  <a14:m>
+                    <m:oMathPara xmlns:m="http://schemas.openxmlformats.org/officeDocument/2006/math">
+                      <m:oMathParaPr>
+                        <m:jc m:val="centerGroup"/>
+                      </m:oMathParaPr>
+                      <m:oMath xmlns:m="http://schemas.openxmlformats.org/officeDocument/2006/math">
+                        <m:r>
+                          <a:rPr lang="en-US" sz="1800" b="0" i="0" smtClean="0">
+                            <a:latin typeface="Cambria Math" panose="02040503050406030204" pitchFamily="18" charset="0"/>
+                          </a:rPr>
+                          <m:t>ℙ</m:t>
+                        </m:r>
+                        <m:r>
+                          <a:rPr lang="en-US" sz="1800" b="0" i="0" smtClean="0">
+                            <a:latin typeface="Cambria Math" panose="02040503050406030204" pitchFamily="18" charset="0"/>
+                          </a:rPr>
+                          <m:t>(</m:t>
+                        </m:r>
+                        <m:sSub>
+                          <m:sSubPr>
+                            <m:ctrlPr>
+                              <a:rPr lang="en-US" sz="1800" b="0" smtClean="0">
+                                <a:latin typeface="Cambria Math" panose="02040503050406030204" pitchFamily="18" charset="0"/>
+                              </a:rPr>
+                            </m:ctrlPr>
+                          </m:sSubPr>
+                          <m:e>
+                            <m:r>
+                              <m:rPr>
+                                <m:sty m:val="p"/>
+                              </m:rPr>
+                              <a:rPr lang="en-US" sz="1800" b="0" i="0" smtClean="0">
+                                <a:latin typeface="Cambria Math" panose="02040503050406030204" pitchFamily="18" charset="0"/>
+                              </a:rPr>
+                              <m:t>v</m:t>
+                            </m:r>
+                          </m:e>
+                          <m:sub>
+                            <m:r>
+                              <a:rPr lang="en-US" sz="1800" b="0" i="0" smtClean="0">
+                                <a:latin typeface="Cambria Math" panose="02040503050406030204" pitchFamily="18" charset="0"/>
+                              </a:rPr>
+                              <m:t>1</m:t>
+                            </m:r>
+                          </m:sub>
+                        </m:sSub>
+                        <m:r>
+                          <a:rPr lang="en-US" sz="1800" b="0" i="0" smtClean="0">
+                            <a:latin typeface="Cambria Math" panose="02040503050406030204" pitchFamily="18" charset="0"/>
+                          </a:rPr>
+                          <m:t>∧</m:t>
+                        </m:r>
+                        <m:sSub>
+                          <m:sSubPr>
+                            <m:ctrlPr>
+                              <a:rPr lang="en-US" sz="1800" b="0" smtClean="0">
+                                <a:latin typeface="Cambria Math" panose="02040503050406030204" pitchFamily="18" charset="0"/>
+                              </a:rPr>
+                            </m:ctrlPr>
+                          </m:sSubPr>
+                          <m:e>
+                            <m:r>
+                              <m:rPr>
+                                <m:sty m:val="p"/>
+                              </m:rPr>
+                              <a:rPr lang="en-US" sz="1800" b="0" i="0" smtClean="0">
+                                <a:latin typeface="Cambria Math" panose="02040503050406030204" pitchFamily="18" charset="0"/>
+                              </a:rPr>
+                              <m:t>c</m:t>
+                            </m:r>
+                          </m:e>
+                          <m:sub>
+                            <m:r>
+                              <a:rPr lang="en-US" sz="1800" b="0" i="0" smtClean="0">
+                                <a:latin typeface="Cambria Math" panose="02040503050406030204" pitchFamily="18" charset="0"/>
+                              </a:rPr>
+                              <m:t>0</m:t>
+                            </m:r>
+                          </m:sub>
+                        </m:sSub>
+                        <m:r>
+                          <a:rPr lang="en-US" sz="1800" b="0" i="0" smtClean="0">
+                            <a:latin typeface="Cambria Math" panose="02040503050406030204" pitchFamily="18" charset="0"/>
+                          </a:rPr>
+                          <m:t>)</m:t>
+                        </m:r>
+                      </m:oMath>
+                    </m:oMathPara>
+                  </a14:m>
+                  <a:endParaRPr lang="en-US" sz="1800" dirty="0"/>
+                </a:p>
+              </p:txBody>
+            </p:sp>
+          </mc:Choice>
+          <mc:Fallback>
+            <p:sp>
+              <p:nvSpPr>
+                <p:cNvPr id="26" name="TextBox 25"/>
+                <p:cNvSpPr txBox="1">
+                  <a:spLocks noRot="1" noChangeAspect="1" noMove="1" noResize="1" noEditPoints="1" noAdjustHandles="1" noChangeArrowheads="1" noChangeShapeType="1" noTextEdit="1"/>
+                </p:cNvSpPr>
+                <p:nvPr/>
+              </p:nvSpPr>
+              <p:spPr>
+                <a:xfrm>
+                  <a:off x="12453014" y="13560539"/>
+                  <a:ext cx="1262333" cy="369332"/>
+                </a:xfrm>
+                <a:prstGeom prst="rect">
+                  <a:avLst/>
+                </a:prstGeom>
+                <a:blipFill>
+                  <a:blip r:embed="rId2"/>
+                  <a:stretch>
+                    <a:fillRect b="-13115"/>
+                  </a:stretch>
+                </a:blipFill>
+              </p:spPr>
+              <p:txBody>
+                <a:bodyPr/>
+                <a:lstStyle/>
+                <a:p>
+                  <a:r>
+                    <a:rPr lang="en-US">
+                      <a:noFill/>
+                    </a:rPr>
+                    <a:t> </a:t>
+                  </a:r>
+                </a:p>
+              </p:txBody>
+            </p:sp>
+          </mc:Fallback>
+        </mc:AlternateContent>
+        <mc:AlternateContent xmlns:mc="http://schemas.openxmlformats.org/markup-compatibility/2006">
+          <mc:Choice xmlns:a14="http://schemas.microsoft.com/office/drawing/2010/main" Requires="a14">
+            <p:sp>
+              <p:nvSpPr>
+                <p:cNvPr id="27" name="TextBox 26"/>
+                <p:cNvSpPr txBox="1"/>
+                <p:nvPr/>
+              </p:nvSpPr>
+              <p:spPr>
+                <a:xfrm>
+                  <a:off x="12453013" y="14577529"/>
+                  <a:ext cx="1262333" cy="369332"/>
+                </a:xfrm>
+                <a:prstGeom prst="rect">
+                  <a:avLst/>
+                </a:prstGeom>
+                <a:noFill/>
+              </p:spPr>
+              <p:txBody>
+                <a:bodyPr wrap="none" rtlCol="0">
+                  <a:spAutoFit/>
+                </a:bodyPr>
+                <a:lstStyle/>
+                <a:p>
+                  <a14:m>
+                    <m:oMathPara xmlns:m="http://schemas.openxmlformats.org/officeDocument/2006/math">
+                      <m:oMathParaPr>
+                        <m:jc m:val="centerGroup"/>
+                      </m:oMathParaPr>
+                      <m:oMath xmlns:m="http://schemas.openxmlformats.org/officeDocument/2006/math">
+                        <m:r>
+                          <a:rPr lang="en-US" sz="1800" b="0" i="0" smtClean="0">
+                            <a:latin typeface="Cambria Math" panose="02040503050406030204" pitchFamily="18" charset="0"/>
+                          </a:rPr>
+                          <m:t>ℙ</m:t>
+                        </m:r>
+                        <m:r>
+                          <a:rPr lang="en-US" sz="1800" b="0" i="0" smtClean="0">
+                            <a:latin typeface="Cambria Math" panose="02040503050406030204" pitchFamily="18" charset="0"/>
+                          </a:rPr>
+                          <m:t>(</m:t>
+                        </m:r>
+                        <m:sSub>
+                          <m:sSubPr>
+                            <m:ctrlPr>
+                              <a:rPr lang="en-US" sz="1800" b="0" smtClean="0">
+                                <a:latin typeface="Cambria Math" panose="02040503050406030204" pitchFamily="18" charset="0"/>
+                              </a:rPr>
+                            </m:ctrlPr>
+                          </m:sSubPr>
+                          <m:e>
+                            <m:r>
+                              <m:rPr>
+                                <m:sty m:val="p"/>
+                              </m:rPr>
+                              <a:rPr lang="en-US" sz="1800" b="0" i="0" smtClean="0">
+                                <a:latin typeface="Cambria Math" panose="02040503050406030204" pitchFamily="18" charset="0"/>
+                              </a:rPr>
+                              <m:t>v</m:t>
+                            </m:r>
+                          </m:e>
+                          <m:sub>
+                            <m:r>
+                              <a:rPr lang="en-US" sz="1800" b="0" i="0" smtClean="0">
+                                <a:latin typeface="Cambria Math" panose="02040503050406030204" pitchFamily="18" charset="0"/>
+                              </a:rPr>
+                              <m:t>2</m:t>
+                            </m:r>
+                          </m:sub>
+                        </m:sSub>
+                        <m:r>
+                          <a:rPr lang="en-US" sz="1800" b="0" i="0" smtClean="0">
+                            <a:latin typeface="Cambria Math" panose="02040503050406030204" pitchFamily="18" charset="0"/>
+                          </a:rPr>
+                          <m:t>∧</m:t>
+                        </m:r>
+                        <m:sSub>
+                          <m:sSubPr>
+                            <m:ctrlPr>
+                              <a:rPr lang="en-US" sz="1800" b="0" smtClean="0">
+                                <a:latin typeface="Cambria Math" panose="02040503050406030204" pitchFamily="18" charset="0"/>
+                              </a:rPr>
+                            </m:ctrlPr>
+                          </m:sSubPr>
+                          <m:e>
+                            <m:r>
+                              <m:rPr>
+                                <m:sty m:val="p"/>
+                              </m:rPr>
+                              <a:rPr lang="en-US" sz="1800" b="0" i="0" smtClean="0">
+                                <a:latin typeface="Cambria Math" panose="02040503050406030204" pitchFamily="18" charset="0"/>
+                              </a:rPr>
+                              <m:t>c</m:t>
+                            </m:r>
+                          </m:e>
+                          <m:sub>
+                            <m:r>
+                              <a:rPr lang="en-US" sz="1800" b="0" i="0" smtClean="0">
+                                <a:latin typeface="Cambria Math" panose="02040503050406030204" pitchFamily="18" charset="0"/>
+                              </a:rPr>
+                              <m:t>0</m:t>
+                            </m:r>
+                          </m:sub>
+                        </m:sSub>
+                        <m:r>
+                          <a:rPr lang="en-US" sz="1800" b="0" i="0" smtClean="0">
+                            <a:latin typeface="Cambria Math" panose="02040503050406030204" pitchFamily="18" charset="0"/>
+                          </a:rPr>
+                          <m:t>)</m:t>
+                        </m:r>
+                      </m:oMath>
+                    </m:oMathPara>
+                  </a14:m>
+                  <a:endParaRPr lang="en-US" sz="1800" dirty="0"/>
+                </a:p>
+              </p:txBody>
+            </p:sp>
+          </mc:Choice>
+          <mc:Fallback>
+            <p:sp>
+              <p:nvSpPr>
+                <p:cNvPr id="27" name="TextBox 26"/>
+                <p:cNvSpPr txBox="1">
+                  <a:spLocks noRot="1" noChangeAspect="1" noMove="1" noResize="1" noEditPoints="1" noAdjustHandles="1" noChangeArrowheads="1" noChangeShapeType="1" noTextEdit="1"/>
+                </p:cNvSpPr>
+                <p:nvPr/>
+              </p:nvSpPr>
+              <p:spPr>
+                <a:xfrm>
+                  <a:off x="12453013" y="14577529"/>
+                  <a:ext cx="1262333" cy="369332"/>
+                </a:xfrm>
+                <a:prstGeom prst="rect">
+                  <a:avLst/>
+                </a:prstGeom>
+                <a:blipFill>
+                  <a:blip r:embed="rId3"/>
+                  <a:stretch>
+                    <a:fillRect b="-13333"/>
+                  </a:stretch>
+                </a:blipFill>
+              </p:spPr>
+              <p:txBody>
+                <a:bodyPr/>
+                <a:lstStyle/>
+                <a:p>
+                  <a:r>
+                    <a:rPr lang="en-US">
+                      <a:noFill/>
+                    </a:rPr>
+                    <a:t> </a:t>
+                  </a:r>
+                </a:p>
+              </p:txBody>
+            </p:sp>
+          </mc:Fallback>
+        </mc:AlternateContent>
+        <mc:AlternateContent xmlns:mc="http://schemas.openxmlformats.org/markup-compatibility/2006">
+          <mc:Choice xmlns:a14="http://schemas.microsoft.com/office/drawing/2010/main" Requires="a14">
+            <p:sp>
+              <p:nvSpPr>
+                <p:cNvPr id="28" name="TextBox 27"/>
+                <p:cNvSpPr txBox="1"/>
+                <p:nvPr/>
+              </p:nvSpPr>
+              <p:spPr>
+                <a:xfrm>
+                  <a:off x="11041030" y="13187754"/>
+                  <a:ext cx="820481" cy="369332"/>
+                </a:xfrm>
+                <a:prstGeom prst="rect">
+                  <a:avLst/>
+                </a:prstGeom>
+                <a:noFill/>
+              </p:spPr>
+              <p:txBody>
+                <a:bodyPr wrap="none" rtlCol="0">
+                  <a:spAutoFit/>
+                </a:bodyPr>
+                <a:lstStyle/>
+                <a:p>
+                  <a14:m>
+                    <m:oMathPara xmlns:m="http://schemas.openxmlformats.org/officeDocument/2006/math">
+                      <m:oMathParaPr>
+                        <m:jc m:val="centerGroup"/>
+                      </m:oMathParaPr>
+                      <m:oMath xmlns:m="http://schemas.openxmlformats.org/officeDocument/2006/math">
+                        <m:r>
+                          <m:rPr>
+                            <m:sty m:val="p"/>
+                          </m:rPr>
+                          <a:rPr lang="en-US" sz="1800" b="0" i="0" smtClean="0">
+                            <a:latin typeface="Cambria Math" panose="02040503050406030204" pitchFamily="18" charset="0"/>
+                          </a:rPr>
+                          <m:t>T</m:t>
+                        </m:r>
+                        <m:r>
+                          <a:rPr lang="en-US" sz="1800" b="0" i="0" smtClean="0">
+                            <a:latin typeface="Cambria Math" panose="02040503050406030204" pitchFamily="18" charset="0"/>
+                          </a:rPr>
+                          <m:t>(</m:t>
+                        </m:r>
+                        <m:sSub>
+                          <m:sSubPr>
+                            <m:ctrlPr>
+                              <a:rPr lang="en-US" sz="1800" b="0" smtClean="0">
+                                <a:latin typeface="Cambria Math" panose="02040503050406030204" pitchFamily="18" charset="0"/>
+                              </a:rPr>
+                            </m:ctrlPr>
+                          </m:sSubPr>
+                          <m:e>
+                            <m:r>
+                              <m:rPr>
+                                <m:sty m:val="p"/>
+                              </m:rPr>
+                              <a:rPr lang="en-US" sz="1800" b="0" i="0" smtClean="0">
+                                <a:latin typeface="Cambria Math" panose="02040503050406030204" pitchFamily="18" charset="0"/>
+                              </a:rPr>
+                              <m:t>v</m:t>
+                            </m:r>
+                          </m:e>
+                          <m:sub>
+                            <m:r>
+                              <a:rPr lang="en-US" sz="1800" b="0" i="0" smtClean="0">
+                                <a:latin typeface="Cambria Math" panose="02040503050406030204" pitchFamily="18" charset="0"/>
+                              </a:rPr>
+                              <m:t>1</m:t>
+                            </m:r>
+                          </m:sub>
+                        </m:sSub>
+                        <m:r>
+                          <a:rPr lang="en-US" sz="1800" b="0" i="0" smtClean="0">
+                            <a:latin typeface="Cambria Math" panose="02040503050406030204" pitchFamily="18" charset="0"/>
+                          </a:rPr>
+                          <m:t>)</m:t>
+                        </m:r>
+                      </m:oMath>
+                    </m:oMathPara>
+                  </a14:m>
+                  <a:endParaRPr lang="en-US" sz="1800" dirty="0"/>
+                </a:p>
+              </p:txBody>
+            </p:sp>
+          </mc:Choice>
+          <mc:Fallback>
+            <p:sp>
+              <p:nvSpPr>
+                <p:cNvPr id="28" name="TextBox 27"/>
+                <p:cNvSpPr txBox="1">
+                  <a:spLocks noRot="1" noChangeAspect="1" noMove="1" noResize="1" noEditPoints="1" noAdjustHandles="1" noChangeArrowheads="1" noChangeShapeType="1" noTextEdit="1"/>
+                </p:cNvSpPr>
+                <p:nvPr/>
+              </p:nvSpPr>
+              <p:spPr>
+                <a:xfrm>
+                  <a:off x="11041030" y="13187754"/>
+                  <a:ext cx="820481" cy="369332"/>
+                </a:xfrm>
+                <a:prstGeom prst="rect">
+                  <a:avLst/>
+                </a:prstGeom>
+                <a:blipFill>
+                  <a:blip r:embed="rId4"/>
+                  <a:stretch>
+                    <a:fillRect b="-13333"/>
+                  </a:stretch>
+                </a:blipFill>
+              </p:spPr>
+              <p:txBody>
+                <a:bodyPr/>
+                <a:lstStyle/>
+                <a:p>
+                  <a:r>
+                    <a:rPr lang="en-US">
+                      <a:noFill/>
+                    </a:rPr>
+                    <a:t> </a:t>
+                  </a:r>
+                </a:p>
+              </p:txBody>
+            </p:sp>
+          </mc:Fallback>
+        </mc:AlternateContent>
+        <mc:AlternateContent xmlns:mc="http://schemas.openxmlformats.org/markup-compatibility/2006">
+          <mc:Choice xmlns:a14="http://schemas.microsoft.com/office/drawing/2010/main" Requires="a14">
+            <p:sp>
+              <p:nvSpPr>
+                <p:cNvPr id="29" name="TextBox 28"/>
+                <p:cNvSpPr txBox="1"/>
+                <p:nvPr/>
+              </p:nvSpPr>
+              <p:spPr>
+                <a:xfrm>
+                  <a:off x="11041029" y="14819187"/>
+                  <a:ext cx="820481" cy="369332"/>
+                </a:xfrm>
+                <a:prstGeom prst="rect">
+                  <a:avLst/>
+                </a:prstGeom>
+                <a:noFill/>
+              </p:spPr>
+              <p:txBody>
+                <a:bodyPr wrap="none" rtlCol="0">
+                  <a:spAutoFit/>
+                </a:bodyPr>
+                <a:lstStyle/>
+                <a:p>
+                  <a14:m>
+                    <m:oMathPara xmlns:m="http://schemas.openxmlformats.org/officeDocument/2006/math">
+                      <m:oMathParaPr>
+                        <m:jc m:val="centerGroup"/>
+                      </m:oMathParaPr>
+                      <m:oMath xmlns:m="http://schemas.openxmlformats.org/officeDocument/2006/math">
+                        <m:r>
+                          <m:rPr>
+                            <m:sty m:val="p"/>
+                          </m:rPr>
+                          <a:rPr lang="en-US" sz="1800" b="0" i="0" smtClean="0">
+                            <a:latin typeface="Cambria Math" panose="02040503050406030204" pitchFamily="18" charset="0"/>
+                          </a:rPr>
+                          <m:t>T</m:t>
+                        </m:r>
+                        <m:r>
+                          <a:rPr lang="en-US" sz="1800" b="0" i="0" smtClean="0">
+                            <a:latin typeface="Cambria Math" panose="02040503050406030204" pitchFamily="18" charset="0"/>
+                          </a:rPr>
+                          <m:t>(</m:t>
+                        </m:r>
+                        <m:sSub>
+                          <m:sSubPr>
+                            <m:ctrlPr>
+                              <a:rPr lang="en-US" sz="1800" b="0" smtClean="0">
+                                <a:latin typeface="Cambria Math" panose="02040503050406030204" pitchFamily="18" charset="0"/>
+                              </a:rPr>
+                            </m:ctrlPr>
+                          </m:sSubPr>
+                          <m:e>
+                            <m:r>
+                              <m:rPr>
+                                <m:sty m:val="p"/>
+                              </m:rPr>
+                              <a:rPr lang="en-US" sz="1800" b="0" i="0" smtClean="0">
+                                <a:latin typeface="Cambria Math" panose="02040503050406030204" pitchFamily="18" charset="0"/>
+                              </a:rPr>
+                              <m:t>v</m:t>
+                            </m:r>
+                          </m:e>
+                          <m:sub>
+                            <m:r>
+                              <a:rPr lang="en-US" sz="1800" b="0" i="0" smtClean="0">
+                                <a:latin typeface="Cambria Math" panose="02040503050406030204" pitchFamily="18" charset="0"/>
+                              </a:rPr>
+                              <m:t>2</m:t>
+                            </m:r>
+                          </m:sub>
+                        </m:sSub>
+                        <m:r>
+                          <a:rPr lang="en-US" sz="1800" b="0" i="0" smtClean="0">
+                            <a:latin typeface="Cambria Math" panose="02040503050406030204" pitchFamily="18" charset="0"/>
+                          </a:rPr>
+                          <m:t>)</m:t>
+                        </m:r>
+                      </m:oMath>
+                    </m:oMathPara>
+                  </a14:m>
+                  <a:endParaRPr lang="en-US" sz="1800" dirty="0"/>
+                </a:p>
+              </p:txBody>
+            </p:sp>
+          </mc:Choice>
+          <mc:Fallback>
+            <p:sp>
+              <p:nvSpPr>
+                <p:cNvPr id="29" name="TextBox 28"/>
+                <p:cNvSpPr txBox="1">
+                  <a:spLocks noRot="1" noChangeAspect="1" noMove="1" noResize="1" noEditPoints="1" noAdjustHandles="1" noChangeArrowheads="1" noChangeShapeType="1" noTextEdit="1"/>
+                </p:cNvSpPr>
+                <p:nvPr/>
+              </p:nvSpPr>
+              <p:spPr>
+                <a:xfrm>
+                  <a:off x="11041029" y="14819187"/>
+                  <a:ext cx="820481" cy="369332"/>
+                </a:xfrm>
+                <a:prstGeom prst="rect">
+                  <a:avLst/>
+                </a:prstGeom>
+                <a:blipFill>
+                  <a:blip r:embed="rId5"/>
+                  <a:stretch>
+                    <a:fillRect b="-13333"/>
+                  </a:stretch>
+                </a:blipFill>
+              </p:spPr>
+              <p:txBody>
+                <a:bodyPr/>
+                <a:lstStyle/>
+                <a:p>
+                  <a:r>
+                    <a:rPr lang="en-US">
+                      <a:noFill/>
+                    </a:rPr>
+                    <a:t> </a:t>
+                  </a:r>
+                </a:p>
+              </p:txBody>
+            </p:sp>
+          </mc:Fallback>
+        </mc:AlternateContent>
+        <mc:AlternateContent xmlns:mc="http://schemas.openxmlformats.org/markup-compatibility/2006">
+          <mc:Choice xmlns:a14="http://schemas.microsoft.com/office/drawing/2010/main" Requires="a14">
+            <p:sp>
+              <p:nvSpPr>
+                <p:cNvPr id="30" name="TextBox 29"/>
+                <p:cNvSpPr txBox="1"/>
+                <p:nvPr/>
+              </p:nvSpPr>
+              <p:spPr>
+                <a:xfrm>
+                  <a:off x="15081521" y="14550214"/>
+                  <a:ext cx="801758" cy="369332"/>
+                </a:xfrm>
+                <a:prstGeom prst="rect">
+                  <a:avLst/>
+                </a:prstGeom>
+                <a:noFill/>
+              </p:spPr>
+              <p:txBody>
+                <a:bodyPr wrap="none" rtlCol="0">
+                  <a:spAutoFit/>
+                </a:bodyPr>
+                <a:lstStyle/>
+                <a:p>
+                  <a14:m>
+                    <m:oMathPara xmlns:m="http://schemas.openxmlformats.org/officeDocument/2006/math">
+                      <m:oMathParaPr>
+                        <m:jc m:val="centerGroup"/>
+                      </m:oMathParaPr>
+                      <m:oMath xmlns:m="http://schemas.openxmlformats.org/officeDocument/2006/math">
+                        <m:r>
+                          <m:rPr>
+                            <m:sty m:val="p"/>
+                          </m:rPr>
+                          <a:rPr lang="en-US" sz="1800" b="0" i="0" smtClean="0">
+                            <a:latin typeface="Cambria Math" panose="02040503050406030204" pitchFamily="18" charset="0"/>
+                          </a:rPr>
+                          <m:t>T</m:t>
+                        </m:r>
+                        <m:r>
+                          <a:rPr lang="en-US" sz="1800" b="0" i="0" smtClean="0">
+                            <a:latin typeface="Cambria Math" panose="02040503050406030204" pitchFamily="18" charset="0"/>
+                          </a:rPr>
+                          <m:t>(</m:t>
+                        </m:r>
+                        <m:sSub>
+                          <m:sSubPr>
+                            <m:ctrlPr>
+                              <a:rPr lang="en-US" sz="1800" b="0" smtClean="0">
+                                <a:latin typeface="Cambria Math" panose="02040503050406030204" pitchFamily="18" charset="0"/>
+                              </a:rPr>
+                            </m:ctrlPr>
+                          </m:sSubPr>
+                          <m:e>
+                            <m:r>
+                              <m:rPr>
+                                <m:sty m:val="p"/>
+                              </m:rPr>
+                              <a:rPr lang="en-US" sz="1800" b="0" i="0" smtClean="0">
+                                <a:latin typeface="Cambria Math" panose="02040503050406030204" pitchFamily="18" charset="0"/>
+                              </a:rPr>
+                              <m:t>v</m:t>
+                            </m:r>
+                          </m:e>
+                          <m:sub>
+                            <m:r>
+                              <a:rPr lang="en-US" sz="1800" b="0" i="0" smtClean="0">
+                                <a:latin typeface="Cambria Math" panose="02040503050406030204" pitchFamily="18" charset="0"/>
+                              </a:rPr>
+                              <m:t>3</m:t>
+                            </m:r>
+                          </m:sub>
+                        </m:sSub>
+                        <m:r>
+                          <a:rPr lang="en-US" sz="1800" b="0" i="0" smtClean="0">
+                            <a:latin typeface="Cambria Math" panose="02040503050406030204" pitchFamily="18" charset="0"/>
+                          </a:rPr>
+                          <m:t>)</m:t>
+                        </m:r>
+                      </m:oMath>
+                    </m:oMathPara>
+                  </a14:m>
+                  <a:endParaRPr lang="en-US" sz="1800" dirty="0"/>
+                </a:p>
+              </p:txBody>
+            </p:sp>
+          </mc:Choice>
+          <mc:Fallback>
+            <p:sp>
+              <p:nvSpPr>
+                <p:cNvPr id="30" name="TextBox 29"/>
+                <p:cNvSpPr txBox="1">
+                  <a:spLocks noRot="1" noChangeAspect="1" noMove="1" noResize="1" noEditPoints="1" noAdjustHandles="1" noChangeArrowheads="1" noChangeShapeType="1" noTextEdit="1"/>
+                </p:cNvSpPr>
+                <p:nvPr/>
+              </p:nvSpPr>
+              <p:spPr>
+                <a:xfrm>
+                  <a:off x="15081521" y="14550214"/>
+                  <a:ext cx="801758" cy="369332"/>
+                </a:xfrm>
+                <a:prstGeom prst="rect">
+                  <a:avLst/>
+                </a:prstGeom>
+                <a:blipFill>
+                  <a:blip r:embed="rId6"/>
+                  <a:stretch>
+                    <a:fillRect b="-13115"/>
+                  </a:stretch>
+                </a:blipFill>
+              </p:spPr>
+              <p:txBody>
+                <a:bodyPr/>
+                <a:lstStyle/>
+                <a:p>
+                  <a:r>
+                    <a:rPr lang="en-US">
+                      <a:noFill/>
+                    </a:rPr>
+                    <a:t> </a:t>
+                  </a:r>
+                </a:p>
+              </p:txBody>
+            </p:sp>
+          </mc:Fallback>
+        </mc:AlternateContent>
+        <mc:AlternateContent xmlns:mc="http://schemas.openxmlformats.org/markup-compatibility/2006">
+          <mc:Choice xmlns:a14="http://schemas.microsoft.com/office/drawing/2010/main" Requires="a14">
+            <p:sp>
+              <p:nvSpPr>
+                <p:cNvPr id="31" name="TextBox 30"/>
+                <p:cNvSpPr txBox="1"/>
+                <p:nvPr/>
+              </p:nvSpPr>
+              <p:spPr>
+                <a:xfrm>
+                  <a:off x="18946747" y="14550214"/>
+                  <a:ext cx="801758" cy="369332"/>
+                </a:xfrm>
+                <a:prstGeom prst="rect">
+                  <a:avLst/>
+                </a:prstGeom>
+                <a:noFill/>
+              </p:spPr>
+              <p:txBody>
+                <a:bodyPr wrap="none" rtlCol="0">
+                  <a:spAutoFit/>
+                </a:bodyPr>
+                <a:lstStyle/>
+                <a:p>
+                  <a14:m>
+                    <m:oMathPara xmlns:m="http://schemas.openxmlformats.org/officeDocument/2006/math">
+                      <m:oMathParaPr>
+                        <m:jc m:val="centerGroup"/>
+                      </m:oMathParaPr>
+                      <m:oMath xmlns:m="http://schemas.openxmlformats.org/officeDocument/2006/math">
+                        <m:r>
+                          <m:rPr>
+                            <m:sty m:val="p"/>
+                          </m:rPr>
+                          <a:rPr lang="en-US" sz="1800" b="0" i="0" smtClean="0">
+                            <a:latin typeface="Cambria Math" panose="02040503050406030204" pitchFamily="18" charset="0"/>
+                          </a:rPr>
+                          <m:t>T</m:t>
+                        </m:r>
+                        <m:r>
+                          <a:rPr lang="en-US" sz="1800" b="0" i="0" smtClean="0">
+                            <a:latin typeface="Cambria Math" panose="02040503050406030204" pitchFamily="18" charset="0"/>
+                          </a:rPr>
+                          <m:t>(</m:t>
+                        </m:r>
+                        <m:sSub>
+                          <m:sSubPr>
+                            <m:ctrlPr>
+                              <a:rPr lang="en-US" sz="1800" b="0" smtClean="0">
+                                <a:latin typeface="Cambria Math" panose="02040503050406030204" pitchFamily="18" charset="0"/>
+                              </a:rPr>
+                            </m:ctrlPr>
+                          </m:sSubPr>
+                          <m:e>
+                            <m:r>
+                              <m:rPr>
+                                <m:sty m:val="p"/>
+                              </m:rPr>
+                              <a:rPr lang="en-US" sz="1800" b="0" i="0" smtClean="0">
+                                <a:latin typeface="Cambria Math" panose="02040503050406030204" pitchFamily="18" charset="0"/>
+                              </a:rPr>
+                              <m:t>v</m:t>
+                            </m:r>
+                          </m:e>
+                          <m:sub>
+                            <m:r>
+                              <a:rPr lang="en-US" sz="1800" b="0" i="0" smtClean="0">
+                                <a:latin typeface="Cambria Math" panose="02040503050406030204" pitchFamily="18" charset="0"/>
+                              </a:rPr>
+                              <m:t>4</m:t>
+                            </m:r>
+                          </m:sub>
+                        </m:sSub>
+                        <m:r>
+                          <a:rPr lang="en-US" sz="1800" b="0" i="0" smtClean="0">
+                            <a:latin typeface="Cambria Math" panose="02040503050406030204" pitchFamily="18" charset="0"/>
+                          </a:rPr>
+                          <m:t>)</m:t>
+                        </m:r>
+                      </m:oMath>
+                    </m:oMathPara>
+                  </a14:m>
+                  <a:endParaRPr lang="en-US" sz="1800" dirty="0"/>
+                </a:p>
+              </p:txBody>
+            </p:sp>
+          </mc:Choice>
+          <mc:Fallback>
+            <p:sp>
+              <p:nvSpPr>
+                <p:cNvPr id="31" name="TextBox 30"/>
+                <p:cNvSpPr txBox="1">
+                  <a:spLocks noRot="1" noChangeAspect="1" noMove="1" noResize="1" noEditPoints="1" noAdjustHandles="1" noChangeArrowheads="1" noChangeShapeType="1" noTextEdit="1"/>
+                </p:cNvSpPr>
+                <p:nvPr/>
+              </p:nvSpPr>
+              <p:spPr>
+                <a:xfrm>
+                  <a:off x="18946747" y="14550214"/>
+                  <a:ext cx="801758" cy="369332"/>
+                </a:xfrm>
+                <a:prstGeom prst="rect">
+                  <a:avLst/>
+                </a:prstGeom>
+                <a:blipFill>
+                  <a:blip r:embed="rId7"/>
+                  <a:stretch>
+                    <a:fillRect b="-13115"/>
+                  </a:stretch>
+                </a:blipFill>
+              </p:spPr>
+              <p:txBody>
+                <a:bodyPr/>
+                <a:lstStyle/>
+                <a:p>
+                  <a:r>
+                    <a:rPr lang="en-US">
+                      <a:noFill/>
+                    </a:rPr>
+                    <a:t> </a:t>
+                  </a:r>
+                </a:p>
+              </p:txBody>
+            </p:sp>
+          </mc:Fallback>
+        </mc:AlternateContent>
+        <mc:AlternateContent xmlns:mc="http://schemas.openxmlformats.org/markup-compatibility/2006">
+          <mc:Choice xmlns:a14="http://schemas.microsoft.com/office/drawing/2010/main" Requires="a14">
+            <p:sp>
+              <p:nvSpPr>
+                <p:cNvPr id="32" name="TextBox 31"/>
+                <p:cNvSpPr txBox="1"/>
+                <p:nvPr/>
+              </p:nvSpPr>
+              <p:spPr>
+                <a:xfrm>
+                  <a:off x="16256575" y="14286833"/>
+                  <a:ext cx="1262333" cy="369332"/>
+                </a:xfrm>
+                <a:prstGeom prst="rect">
+                  <a:avLst/>
+                </a:prstGeom>
+                <a:noFill/>
+              </p:spPr>
+              <p:txBody>
+                <a:bodyPr wrap="none" rtlCol="0">
+                  <a:spAutoFit/>
+                </a:bodyPr>
+                <a:lstStyle/>
+                <a:p>
+                  <a14:m>
+                    <m:oMathPara xmlns:m="http://schemas.openxmlformats.org/officeDocument/2006/math">
+                      <m:oMathParaPr>
+                        <m:jc m:val="centerGroup"/>
+                      </m:oMathParaPr>
+                      <m:oMath xmlns:m="http://schemas.openxmlformats.org/officeDocument/2006/math">
+                        <m:r>
+                          <a:rPr lang="en-US" sz="1800" b="0" i="0" smtClean="0">
+                            <a:latin typeface="Cambria Math" panose="02040503050406030204" pitchFamily="18" charset="0"/>
+                          </a:rPr>
+                          <m:t>ℙ</m:t>
+                        </m:r>
+                        <m:r>
+                          <a:rPr lang="en-US" sz="1800" b="0" i="0" smtClean="0">
+                            <a:latin typeface="Cambria Math" panose="02040503050406030204" pitchFamily="18" charset="0"/>
+                          </a:rPr>
+                          <m:t>(</m:t>
+                        </m:r>
+                        <m:sSub>
+                          <m:sSubPr>
+                            <m:ctrlPr>
+                              <a:rPr lang="en-US" sz="1800" b="0" smtClean="0">
+                                <a:latin typeface="Cambria Math" panose="02040503050406030204" pitchFamily="18" charset="0"/>
+                              </a:rPr>
+                            </m:ctrlPr>
+                          </m:sSubPr>
+                          <m:e>
+                            <m:r>
+                              <m:rPr>
+                                <m:sty m:val="p"/>
+                              </m:rPr>
+                              <a:rPr lang="en-US" sz="1800" b="0" i="0" smtClean="0">
+                                <a:latin typeface="Cambria Math" panose="02040503050406030204" pitchFamily="18" charset="0"/>
+                              </a:rPr>
+                              <m:t>v</m:t>
+                            </m:r>
+                          </m:e>
+                          <m:sub>
+                            <m:r>
+                              <a:rPr lang="en-US" sz="1800" b="0" i="0" smtClean="0">
+                                <a:latin typeface="Cambria Math" panose="02040503050406030204" pitchFamily="18" charset="0"/>
+                              </a:rPr>
+                              <m:t>3</m:t>
+                            </m:r>
+                          </m:sub>
+                        </m:sSub>
+                        <m:r>
+                          <a:rPr lang="en-US" sz="1800" b="0" i="0" smtClean="0">
+                            <a:latin typeface="Cambria Math" panose="02040503050406030204" pitchFamily="18" charset="0"/>
+                          </a:rPr>
+                          <m:t>∧</m:t>
+                        </m:r>
+                        <m:sSub>
+                          <m:sSubPr>
+                            <m:ctrlPr>
+                              <a:rPr lang="en-US" sz="1800" b="0" smtClean="0">
+                                <a:latin typeface="Cambria Math" panose="02040503050406030204" pitchFamily="18" charset="0"/>
+                              </a:rPr>
+                            </m:ctrlPr>
+                          </m:sSubPr>
+                          <m:e>
+                            <m:r>
+                              <m:rPr>
+                                <m:sty m:val="p"/>
+                              </m:rPr>
+                              <a:rPr lang="en-US" sz="1800" b="0" i="0" smtClean="0">
+                                <a:latin typeface="Cambria Math" panose="02040503050406030204" pitchFamily="18" charset="0"/>
+                              </a:rPr>
+                              <m:t>c</m:t>
+                            </m:r>
+                          </m:e>
+                          <m:sub>
+                            <m:r>
+                              <a:rPr lang="en-US" sz="1800" b="0" i="0" smtClean="0">
+                                <a:latin typeface="Cambria Math" panose="02040503050406030204" pitchFamily="18" charset="0"/>
+                              </a:rPr>
+                              <m:t>1</m:t>
+                            </m:r>
+                          </m:sub>
+                        </m:sSub>
+                        <m:r>
+                          <a:rPr lang="en-US" sz="1800" b="0" i="0" smtClean="0">
+                            <a:latin typeface="Cambria Math" panose="02040503050406030204" pitchFamily="18" charset="0"/>
+                          </a:rPr>
+                          <m:t>)</m:t>
+                        </m:r>
+                      </m:oMath>
+                    </m:oMathPara>
+                  </a14:m>
+                  <a:endParaRPr lang="en-US" sz="1800" dirty="0"/>
+                </a:p>
+              </p:txBody>
+            </p:sp>
+          </mc:Choice>
+          <mc:Fallback>
+            <p:sp>
+              <p:nvSpPr>
+                <p:cNvPr id="32" name="TextBox 31"/>
+                <p:cNvSpPr txBox="1">
+                  <a:spLocks noRot="1" noChangeAspect="1" noMove="1" noResize="1" noEditPoints="1" noAdjustHandles="1" noChangeArrowheads="1" noChangeShapeType="1" noTextEdit="1"/>
+                </p:cNvSpPr>
+                <p:nvPr/>
+              </p:nvSpPr>
+              <p:spPr>
+                <a:xfrm>
+                  <a:off x="16256575" y="14286833"/>
+                  <a:ext cx="1262333" cy="369332"/>
+                </a:xfrm>
+                <a:prstGeom prst="rect">
+                  <a:avLst/>
+                </a:prstGeom>
+                <a:blipFill>
+                  <a:blip r:embed="rId8"/>
+                  <a:stretch>
+                    <a:fillRect b="-13115"/>
+                  </a:stretch>
+                </a:blipFill>
+              </p:spPr>
+              <p:txBody>
+                <a:bodyPr/>
+                <a:lstStyle/>
+                <a:p>
+                  <a:r>
+                    <a:rPr lang="en-US">
+                      <a:noFill/>
+                    </a:rPr>
+                    <a:t> </a:t>
+                  </a:r>
+                </a:p>
+              </p:txBody>
+            </p:sp>
+          </mc:Fallback>
+        </mc:AlternateContent>
+        <mc:AlternateContent xmlns:mc="http://schemas.openxmlformats.org/markup-compatibility/2006">
+          <mc:Choice xmlns:a14="http://schemas.microsoft.com/office/drawing/2010/main" Requires="a14">
+            <p:sp>
+              <p:nvSpPr>
+                <p:cNvPr id="33" name="TextBox 32"/>
+                <p:cNvSpPr txBox="1"/>
+                <p:nvPr/>
+              </p:nvSpPr>
+              <p:spPr>
+                <a:xfrm>
+                  <a:off x="19981481" y="14314974"/>
+                  <a:ext cx="1262333" cy="369332"/>
+                </a:xfrm>
+                <a:prstGeom prst="rect">
+                  <a:avLst/>
+                </a:prstGeom>
+                <a:noFill/>
+              </p:spPr>
+              <p:txBody>
+                <a:bodyPr wrap="none" rtlCol="0">
+                  <a:spAutoFit/>
+                </a:bodyPr>
+                <a:lstStyle/>
+                <a:p>
+                  <a14:m>
+                    <m:oMathPara xmlns:m="http://schemas.openxmlformats.org/officeDocument/2006/math">
+                      <m:oMathParaPr>
+                        <m:jc m:val="centerGroup"/>
+                      </m:oMathParaPr>
+                      <m:oMath xmlns:m="http://schemas.openxmlformats.org/officeDocument/2006/math">
+                        <m:r>
+                          <a:rPr lang="en-US" sz="1800" b="0" i="0" smtClean="0">
+                            <a:latin typeface="Cambria Math" panose="02040503050406030204" pitchFamily="18" charset="0"/>
+                          </a:rPr>
+                          <m:t>ℙ</m:t>
+                        </m:r>
+                        <m:r>
+                          <a:rPr lang="en-US" sz="1800" b="0" i="0" smtClean="0">
+                            <a:latin typeface="Cambria Math" panose="02040503050406030204" pitchFamily="18" charset="0"/>
+                          </a:rPr>
+                          <m:t>(</m:t>
+                        </m:r>
+                        <m:sSub>
+                          <m:sSubPr>
+                            <m:ctrlPr>
+                              <a:rPr lang="en-US" sz="1800" b="0" smtClean="0">
+                                <a:latin typeface="Cambria Math" panose="02040503050406030204" pitchFamily="18" charset="0"/>
+                              </a:rPr>
+                            </m:ctrlPr>
+                          </m:sSubPr>
+                          <m:e>
+                            <m:r>
+                              <m:rPr>
+                                <m:sty m:val="p"/>
+                              </m:rPr>
+                              <a:rPr lang="en-US" sz="1800" b="0" i="0" smtClean="0">
+                                <a:latin typeface="Cambria Math" panose="02040503050406030204" pitchFamily="18" charset="0"/>
+                              </a:rPr>
+                              <m:t>v</m:t>
+                            </m:r>
+                          </m:e>
+                          <m:sub>
+                            <m:r>
+                              <a:rPr lang="en-US" sz="1800" b="0" i="0" smtClean="0">
+                                <a:latin typeface="Cambria Math" panose="02040503050406030204" pitchFamily="18" charset="0"/>
+                              </a:rPr>
+                              <m:t>4</m:t>
+                            </m:r>
+                          </m:sub>
+                        </m:sSub>
+                        <m:r>
+                          <a:rPr lang="en-US" sz="1800" b="0" i="0" smtClean="0">
+                            <a:latin typeface="Cambria Math" panose="02040503050406030204" pitchFamily="18" charset="0"/>
+                          </a:rPr>
+                          <m:t>∧</m:t>
+                        </m:r>
+                        <m:sSub>
+                          <m:sSubPr>
+                            <m:ctrlPr>
+                              <a:rPr lang="en-US" sz="1800" b="0" smtClean="0">
+                                <a:latin typeface="Cambria Math" panose="02040503050406030204" pitchFamily="18" charset="0"/>
+                              </a:rPr>
+                            </m:ctrlPr>
+                          </m:sSubPr>
+                          <m:e>
+                            <m:r>
+                              <m:rPr>
+                                <m:sty m:val="p"/>
+                              </m:rPr>
+                              <a:rPr lang="en-US" sz="1800" b="0" i="0" smtClean="0">
+                                <a:latin typeface="Cambria Math" panose="02040503050406030204" pitchFamily="18" charset="0"/>
+                              </a:rPr>
+                              <m:t>c</m:t>
+                            </m:r>
+                          </m:e>
+                          <m:sub>
+                            <m:r>
+                              <a:rPr lang="en-US" sz="1800" b="0" i="0" smtClean="0">
+                                <a:latin typeface="Cambria Math" panose="02040503050406030204" pitchFamily="18" charset="0"/>
+                              </a:rPr>
+                              <m:t>2</m:t>
+                            </m:r>
+                          </m:sub>
+                        </m:sSub>
+                        <m:r>
+                          <a:rPr lang="en-US" sz="1800" b="0" i="0" smtClean="0">
+                            <a:latin typeface="Cambria Math" panose="02040503050406030204" pitchFamily="18" charset="0"/>
+                          </a:rPr>
+                          <m:t>)</m:t>
+                        </m:r>
+                      </m:oMath>
+                    </m:oMathPara>
+                  </a14:m>
+                  <a:endParaRPr lang="en-US" sz="1800" dirty="0"/>
+                </a:p>
+              </p:txBody>
+            </p:sp>
+          </mc:Choice>
+          <mc:Fallback>
+            <p:sp>
+              <p:nvSpPr>
+                <p:cNvPr id="33" name="TextBox 32"/>
+                <p:cNvSpPr txBox="1">
+                  <a:spLocks noRot="1" noChangeAspect="1" noMove="1" noResize="1" noEditPoints="1" noAdjustHandles="1" noChangeArrowheads="1" noChangeShapeType="1" noTextEdit="1"/>
+                </p:cNvSpPr>
+                <p:nvPr/>
+              </p:nvSpPr>
+              <p:spPr>
+                <a:xfrm>
+                  <a:off x="19981481" y="14314974"/>
+                  <a:ext cx="1262333" cy="369332"/>
+                </a:xfrm>
+                <a:prstGeom prst="rect">
+                  <a:avLst/>
+                </a:prstGeom>
+                <a:blipFill>
+                  <a:blip r:embed="rId9"/>
+                  <a:stretch>
+                    <a:fillRect b="-13333"/>
+                  </a:stretch>
+                </a:blipFill>
+              </p:spPr>
+              <p:txBody>
+                <a:bodyPr/>
+                <a:lstStyle/>
+                <a:p>
+                  <a:r>
+                    <a:rPr lang="en-US">
+                      <a:noFill/>
+                    </a:rPr>
+                    <a:t> </a:t>
+                  </a:r>
+                </a:p>
+              </p:txBody>
+            </p:sp>
+          </mc:Fallback>
+        </mc:AlternateContent>
+      </p:grpSp>
     </p:spTree>
     <p:extLst>
       <p:ext uri="{BB962C8B-B14F-4D97-AF65-F5344CB8AC3E}">
@@ -5558,6 +7544,13 @@
     <a:masterClrMapping/>
   </p:clrMapOvr>
   <p:transition spd="med"/>
+  <p:timing>
+    <p:tnLst>
+      <p:par>
+        <p:cTn id="1" dur="indefinite" restart="never" nodeType="tmRoot"/>
+      </p:par>
+    </p:tnLst>
+  </p:timing>
 </p:sld>
 </file>
 
@@ -5599,7 +7592,7 @@
           </a:ln>
           <a:extLst>
             <a:ext uri="{C572A759-6A51-4108-AA02-DFA0A04FC94B}">
-              <ma14:wrappingTextBoxFlag xmlns="" xmlns:ma14="http://schemas.microsoft.com/office/mac/drawingml/2011/main" val="1"/>
+              <ma14:wrappingTextBoxFlag xmlns:ma14="http://schemas.microsoft.com/office/mac/drawingml/2011/main" xmlns="" val="1"/>
             </a:ext>
           </a:extLst>
         </p:spPr>
@@ -5879,7 +7872,7 @@
           <a:ln w="28575"/>
           <a:extLst>
             <a:ext uri="{C572A759-6A51-4108-AA02-DFA0A04FC94B}">
-              <ma14:wrappingTextBoxFlag xmlns="" xmlns:ma14="http://schemas.microsoft.com/office/mac/drawingml/2011/main" val="1"/>
+              <ma14:wrappingTextBoxFlag xmlns:ma14="http://schemas.microsoft.com/office/mac/drawingml/2011/main" xmlns="" val="1"/>
             </a:ext>
           </a:extLst>
         </p:spPr>
@@ -6065,7 +8058,7 @@
           </a:ln>
           <a:extLst>
             <a:ext uri="{C572A759-6A51-4108-AA02-DFA0A04FC94B}">
-              <ma14:wrappingTextBoxFlag xmlns="" xmlns:ma14="http://schemas.microsoft.com/office/mac/drawingml/2011/main" val="1"/>
+              <ma14:wrappingTextBoxFlag xmlns:ma14="http://schemas.microsoft.com/office/mac/drawingml/2011/main" xmlns="" val="1"/>
             </a:ext>
           </a:extLst>
         </p:spPr>
@@ -6672,7 +8665,7 @@
           </a:ln>
           <a:extLst>
             <a:ext uri="{C572A759-6A51-4108-AA02-DFA0A04FC94B}">
-              <ma14:wrappingTextBoxFlag xmlns="" xmlns:ma14="http://schemas.microsoft.com/office/mac/drawingml/2011/main" val="1"/>
+              <ma14:wrappingTextBoxFlag xmlns:ma14="http://schemas.microsoft.com/office/mac/drawingml/2011/main" xmlns="" val="1"/>
             </a:ext>
           </a:extLst>
         </p:spPr>
@@ -6885,7 +8878,21 @@
                 <a:latin typeface="Candara" panose="020E0502030303020204" pitchFamily="34" charset="0"/>
                 <a:cs typeface="Arial" panose="020B0604020202020204" pitchFamily="34" charset="0"/>
               </a:rPr>
-              <a:t> of the control center to get unauthorized administrative access to control assets.</a:t>
+              <a:t> of the control center to get unauthorized administrative access </a:t>
+            </a:r>
+            <a:r>
+              <a:rPr lang="en-US" sz="1400" dirty="0" smtClean="0">
+                <a:latin typeface="Candara" panose="020E0502030303020204" pitchFamily="34" charset="0"/>
+                <a:cs typeface="Arial" panose="020B0604020202020204" pitchFamily="34" charset="0"/>
+              </a:rPr>
+              <a:t>to </a:t>
+            </a:r>
+            <a:r>
+              <a:rPr lang="en-US" sz="1400" dirty="0">
+                <a:latin typeface="Candara" panose="020E0502030303020204" pitchFamily="34" charset="0"/>
+                <a:cs typeface="Arial" panose="020B0604020202020204" pitchFamily="34" charset="0"/>
+              </a:rPr>
+              <a:t>control assets.</a:t>
             </a:r>
           </a:p>
         </p:txBody>
@@ -9532,8 +11539,8 @@
             </a:p>
           </p:txBody>
         </p:sp>
-        <mc:AlternateContent xmlns:mc="http://schemas.openxmlformats.org/markup-compatibility/2006" xmlns:a14="http://schemas.microsoft.com/office/drawing/2010/main">
-          <mc:Choice Requires="a14">
+        <mc:AlternateContent xmlns:mc="http://schemas.openxmlformats.org/markup-compatibility/2006">
+          <mc:Choice xmlns:a14="http://schemas.microsoft.com/office/drawing/2010/main" Requires="a14">
             <p:sp>
               <p:nvSpPr>
                 <p:cNvPr id="219" name="TextBox 218">
@@ -10073,7 +12080,7 @@
               </p:txBody>
             </p:sp>
           </mc:Choice>
-          <mc:Fallback xmlns="">
+          <mc:Fallback>
             <p:sp>
               <p:nvSpPr>
                 <p:cNvPr id="219" name="TextBox 218">
@@ -10099,7 +12106,7 @@
                 <a:blipFill>
                   <a:blip r:embed="rId5"/>
                   <a:stretch>
-                    <a:fillRect/>
+                    <a:fillRect b="-5600"/>
                   </a:stretch>
                 </a:blipFill>
               </p:spPr>
@@ -11628,7 +13635,7 @@
           </a:ln>
           <a:extLst>
             <a:ext uri="{C572A759-6A51-4108-AA02-DFA0A04FC94B}">
-              <ma14:wrappingTextBoxFlag xmlns="" xmlns:ma14="http://schemas.microsoft.com/office/mac/drawingml/2011/main" val="1"/>
+              <ma14:wrappingTextBoxFlag xmlns:ma14="http://schemas.microsoft.com/office/mac/drawingml/2011/main" xmlns="" val="1"/>
             </a:ext>
           </a:extLst>
         </p:spPr>
@@ -11999,8 +14006,8 @@
           </a:graphicData>
         </a:graphic>
       </p:graphicFrame>
-      <mc:AlternateContent xmlns:mc="http://schemas.openxmlformats.org/markup-compatibility/2006">
-        <mc:Choice xmlns:a14="http://schemas.microsoft.com/office/drawing/2010/main" Requires="a14">
+      <mc:AlternateContent xmlns:mc="http://schemas.openxmlformats.org/markup-compatibility/2006" xmlns:a14="http://schemas.microsoft.com/office/drawing/2010/main">
+        <mc:Choice Requires="a14">
           <p:sp>
             <p:nvSpPr>
               <p:cNvPr id="11" name="TextBox 10">
@@ -12308,7 +14315,7 @@
             </p:txBody>
           </p:sp>
         </mc:Choice>
-        <mc:Fallback>
+        <mc:Fallback xmlns="">
           <p:sp>
             <p:nvSpPr>
               <p:cNvPr id="11" name="TextBox 10">
@@ -12513,6 +14520,13 @@
                       <a:cs typeface="Arial" panose="020B0604020202020204" pitchFamily="34" charset="0"/>
                     </a:rPr>
                     <a:t> possible vulnerabilities</a:t>
+                  </a:r>
+                  <a:r>
+                    <a:rPr lang="en-US" sz="1200" b="1" dirty="0">
+                      <a:latin typeface="Candara" panose="020E0502030303020204" pitchFamily="34" charset="0"/>
+                      <a:cs typeface="Arial" panose="020B0604020202020204" pitchFamily="34" charset="0"/>
+                    </a:rPr>
+                    <a:t/>
                   </a:r>
                   <a:br>
                     <a:rPr lang="en-US" sz="1200" b="1" dirty="0">
@@ -13393,7 +15407,7 @@
           </a:ln>
           <a:extLst>
             <a:ext uri="{C572A759-6A51-4108-AA02-DFA0A04FC94B}">
-              <ma14:wrappingTextBoxFlag xmlns="" xmlns:ma14="http://schemas.microsoft.com/office/mac/drawingml/2011/main" val="1"/>
+              <ma14:wrappingTextBoxFlag xmlns:ma14="http://schemas.microsoft.com/office/mac/drawingml/2011/main" xmlns="" val="1"/>
             </a:ext>
           </a:extLst>
         </p:spPr>
@@ -13685,7 +15699,7 @@
           </a:ln>
           <a:extLst>
             <a:ext uri="{C572A759-6A51-4108-AA02-DFA0A04FC94B}">
-              <ma14:wrappingTextBoxFlag xmlns="" xmlns:ma14="http://schemas.microsoft.com/office/mac/drawingml/2011/main" val="1"/>
+              <ma14:wrappingTextBoxFlag xmlns:ma14="http://schemas.microsoft.com/office/mac/drawingml/2011/main" xmlns="" val="1"/>
             </a:ext>
           </a:extLst>
         </p:spPr>
@@ -14205,7 +16219,7 @@
           </a:ln>
           <a:extLst>
             <a:ext uri="{C572A759-6A51-4108-AA02-DFA0A04FC94B}">
-              <ma14:wrappingTextBoxFlag xmlns="" xmlns:ma14="http://schemas.microsoft.com/office/mac/drawingml/2011/main" val="1"/>
+              <ma14:wrappingTextBoxFlag xmlns:ma14="http://schemas.microsoft.com/office/mac/drawingml/2011/main" xmlns="" val="1"/>
             </a:ext>
           </a:extLst>
         </p:spPr>
@@ -14745,7 +16759,7 @@
           </a:ln>
           <a:extLst>
             <a:ext uri="{C572A759-6A51-4108-AA02-DFA0A04FC94B}">
-              <ma14:wrappingTextBoxFlag xmlns="" xmlns:ma14="http://schemas.microsoft.com/office/mac/drawingml/2011/main" val="1"/>
+              <ma14:wrappingTextBoxFlag xmlns:ma14="http://schemas.microsoft.com/office/mac/drawingml/2011/main" xmlns="" val="1"/>
             </a:ext>
           </a:extLst>
         </p:spPr>
